--- a/coursera-infoviz/01-infoviz-foundations/assignment/assignment_tiagombp.pptx
+++ b/coursera-infoviz/01-infoviz-foundations/assignment/assignment_tiagombp.pptx
@@ -16,7 +16,15 @@
     <p:sldId id="264" r:id="rId10"/>
     <p:sldId id="265" r:id="rId11"/>
     <p:sldId id="268" r:id="rId12"/>
-    <p:sldId id="267" r:id="rId13"/>
+    <p:sldId id="271" r:id="rId13"/>
+    <p:sldId id="272" r:id="rId14"/>
+    <p:sldId id="273" r:id="rId15"/>
+    <p:sldId id="274" r:id="rId16"/>
+    <p:sldId id="275" r:id="rId17"/>
+    <p:sldId id="276" r:id="rId18"/>
+    <p:sldId id="279" r:id="rId19"/>
+    <p:sldId id="277" r:id="rId20"/>
+    <p:sldId id="278" r:id="rId21"/>
   </p:sldIdLst>
   <p:sldSz cx="9144000" cy="6858000" type="screen4x3"/>
   <p:notesSz cx="6858000" cy="9144000"/>
@@ -299,7 +307,7 @@
           <a:p>
             <a:fld id="{5892A5A2-B28A-4A14-84C7-5691C7E42B4E}" type="datetimeFigureOut">
               <a:rPr lang="pt-BR" smtClean="0"/>
-              <a:t>08/01/2020</a:t>
+              <a:t>09/01/2020</a:t>
             </a:fld>
             <a:endParaRPr lang="pt-BR"/>
           </a:p>
@@ -469,7 +477,7 @@
           <a:p>
             <a:fld id="{5892A5A2-B28A-4A14-84C7-5691C7E42B4E}" type="datetimeFigureOut">
               <a:rPr lang="pt-BR" smtClean="0"/>
-              <a:t>08/01/2020</a:t>
+              <a:t>09/01/2020</a:t>
             </a:fld>
             <a:endParaRPr lang="pt-BR"/>
           </a:p>
@@ -649,7 +657,7 @@
           <a:p>
             <a:fld id="{5892A5A2-B28A-4A14-84C7-5691C7E42B4E}" type="datetimeFigureOut">
               <a:rPr lang="pt-BR" smtClean="0"/>
-              <a:t>08/01/2020</a:t>
+              <a:t>09/01/2020</a:t>
             </a:fld>
             <a:endParaRPr lang="pt-BR"/>
           </a:p>
@@ -819,7 +827,7 @@
           <a:p>
             <a:fld id="{5892A5A2-B28A-4A14-84C7-5691C7E42B4E}" type="datetimeFigureOut">
               <a:rPr lang="pt-BR" smtClean="0"/>
-              <a:t>08/01/2020</a:t>
+              <a:t>09/01/2020</a:t>
             </a:fld>
             <a:endParaRPr lang="pt-BR"/>
           </a:p>
@@ -1065,7 +1073,7 @@
           <a:p>
             <a:fld id="{5892A5A2-B28A-4A14-84C7-5691C7E42B4E}" type="datetimeFigureOut">
               <a:rPr lang="pt-BR" smtClean="0"/>
-              <a:t>08/01/2020</a:t>
+              <a:t>09/01/2020</a:t>
             </a:fld>
             <a:endParaRPr lang="pt-BR"/>
           </a:p>
@@ -1353,7 +1361,7 @@
           <a:p>
             <a:fld id="{5892A5A2-B28A-4A14-84C7-5691C7E42B4E}" type="datetimeFigureOut">
               <a:rPr lang="pt-BR" smtClean="0"/>
-              <a:t>08/01/2020</a:t>
+              <a:t>09/01/2020</a:t>
             </a:fld>
             <a:endParaRPr lang="pt-BR"/>
           </a:p>
@@ -1775,7 +1783,7 @@
           <a:p>
             <a:fld id="{5892A5A2-B28A-4A14-84C7-5691C7E42B4E}" type="datetimeFigureOut">
               <a:rPr lang="pt-BR" smtClean="0"/>
-              <a:t>08/01/2020</a:t>
+              <a:t>09/01/2020</a:t>
             </a:fld>
             <a:endParaRPr lang="pt-BR"/>
           </a:p>
@@ -1893,7 +1901,7 @@
           <a:p>
             <a:fld id="{5892A5A2-B28A-4A14-84C7-5691C7E42B4E}" type="datetimeFigureOut">
               <a:rPr lang="pt-BR" smtClean="0"/>
-              <a:t>08/01/2020</a:t>
+              <a:t>09/01/2020</a:t>
             </a:fld>
             <a:endParaRPr lang="pt-BR"/>
           </a:p>
@@ -1988,7 +1996,7 @@
           <a:p>
             <a:fld id="{5892A5A2-B28A-4A14-84C7-5691C7E42B4E}" type="datetimeFigureOut">
               <a:rPr lang="pt-BR" smtClean="0"/>
-              <a:t>08/01/2020</a:t>
+              <a:t>09/01/2020</a:t>
             </a:fld>
             <a:endParaRPr lang="pt-BR"/>
           </a:p>
@@ -2265,7 +2273,7 @@
           <a:p>
             <a:fld id="{5892A5A2-B28A-4A14-84C7-5691C7E42B4E}" type="datetimeFigureOut">
               <a:rPr lang="pt-BR" smtClean="0"/>
-              <a:t>08/01/2020</a:t>
+              <a:t>09/01/2020</a:t>
             </a:fld>
             <a:endParaRPr lang="pt-BR"/>
           </a:p>
@@ -2518,7 +2526,7 @@
           <a:p>
             <a:fld id="{5892A5A2-B28A-4A14-84C7-5691C7E42B4E}" type="datetimeFigureOut">
               <a:rPr lang="pt-BR" smtClean="0"/>
-              <a:t>08/01/2020</a:t>
+              <a:t>09/01/2020</a:t>
             </a:fld>
             <a:endParaRPr lang="pt-BR"/>
           </a:p>
@@ -2731,7 +2739,7 @@
           <a:p>
             <a:fld id="{5892A5A2-B28A-4A14-84C7-5691C7E42B4E}" type="datetimeFigureOut">
               <a:rPr lang="pt-BR" smtClean="0"/>
-              <a:t>08/01/2020</a:t>
+              <a:t>09/01/2020</a:t>
             </a:fld>
             <a:endParaRPr lang="pt-BR"/>
           </a:p>
@@ -3594,7 +3602,721 @@
     </p:spTree>
     <p:extLst>
       <p:ext uri="{BB962C8B-B14F-4D97-AF65-F5344CB8AC3E}">
-        <p14:creationId xmlns:p14="http://schemas.microsoft.com/office/powerpoint/2010/main" val="3414787733"/>
+        <p14:creationId xmlns:p14="http://schemas.microsoft.com/office/powerpoint/2010/main" val="3849022357"/>
+      </p:ext>
+    </p:extLst>
+  </p:cSld>
+  <p:clrMapOvr>
+    <a:masterClrMapping/>
+  </p:clrMapOvr>
+  <p:timing>
+    <p:tnLst>
+      <p:par>
+        <p:cTn id="1" dur="indefinite" restart="never" nodeType="tmRoot"/>
+      </p:par>
+    </p:tnLst>
+  </p:timing>
+</p:sld>
+</file>
+
+<file path=ppt/slides/slide13.xml><?xml version="1.0" encoding="utf-8"?>
+<p:sld xmlns:a="http://schemas.openxmlformats.org/drawingml/2006/main" xmlns:r="http://schemas.openxmlformats.org/officeDocument/2006/relationships" xmlns:p="http://schemas.openxmlformats.org/presentationml/2006/main">
+  <p:cSld>
+    <p:spTree>
+      <p:nvGrpSpPr>
+        <p:cNvPr id="1" name=""/>
+        <p:cNvGrpSpPr/>
+        <p:nvPr/>
+      </p:nvGrpSpPr>
+      <p:grpSpPr>
+        <a:xfrm>
+          <a:off x="0" y="0"/>
+          <a:ext cx="0" cy="0"/>
+          <a:chOff x="0" y="0"/>
+          <a:chExt cx="0" cy="0"/>
+        </a:xfrm>
+      </p:grpSpPr>
+      <p:sp>
+        <p:nvSpPr>
+          <p:cNvPr id="3" name="CaixaDeTexto 2"/>
+          <p:cNvSpPr txBox="1"/>
+          <p:nvPr/>
+        </p:nvSpPr>
+        <p:spPr>
+          <a:xfrm>
+            <a:off x="323529" y="260648"/>
+            <a:ext cx="8568952" cy="1169551"/>
+          </a:xfrm>
+          <a:prstGeom prst="rect">
+            <a:avLst/>
+          </a:prstGeom>
+          <a:noFill/>
+        </p:spPr>
+        <p:txBody>
+          <a:bodyPr wrap="square" rtlCol="0">
+            <a:spAutoFit/>
+          </a:bodyPr>
+          <a:lstStyle/>
+          <a:p>
+            <a:r>
+              <a:rPr lang="en-US" sz="3200" b="1" dirty="0" smtClean="0">
+                <a:latin typeface="Times New Roman" panose="02020603050405020304" pitchFamily="18" charset="0"/>
+                <a:cs typeface="Times New Roman" panose="02020603050405020304" pitchFamily="18" charset="0"/>
+              </a:rPr>
+              <a:t>Comments</a:t>
+            </a:r>
+          </a:p>
+          <a:p>
+            <a:endParaRPr lang="en-US" dirty="0" smtClean="0">
+              <a:latin typeface="Times New Roman" panose="02020603050405020304" pitchFamily="18" charset="0"/>
+              <a:cs typeface="Times New Roman" panose="02020603050405020304" pitchFamily="18" charset="0"/>
+            </a:endParaRPr>
+          </a:p>
+          <a:p>
+            <a:r>
+              <a:rPr lang="en-US" sz="2000" dirty="0" smtClean="0">
+                <a:latin typeface="Times New Roman" panose="02020603050405020304" pitchFamily="18" charset="0"/>
+                <a:cs typeface="Times New Roman" panose="02020603050405020304" pitchFamily="18" charset="0"/>
+              </a:rPr>
+              <a:t>Again I chose </a:t>
+            </a:r>
+            <a:r>
+              <a:rPr lang="en-US" sz="2000" dirty="0" smtClean="0">
+                <a:latin typeface="Times New Roman" panose="02020603050405020304" pitchFamily="18" charset="0"/>
+                <a:cs typeface="Times New Roman" panose="02020603050405020304" pitchFamily="18" charset="0"/>
+              </a:rPr>
+              <a:t>to use a faceted version of the chart, </a:t>
+            </a:r>
+            <a:r>
+              <a:rPr lang="en-US" sz="2000" dirty="0" smtClean="0">
+                <a:latin typeface="Times New Roman" panose="02020603050405020304" pitchFamily="18" charset="0"/>
+                <a:cs typeface="Times New Roman" panose="02020603050405020304" pitchFamily="18" charset="0"/>
+              </a:rPr>
+              <a:t>to avoid cluttering.</a:t>
+            </a:r>
+            <a:endParaRPr lang="en-US" sz="2000" dirty="0" smtClean="0">
+              <a:latin typeface="Times New Roman" panose="02020603050405020304" pitchFamily="18" charset="0"/>
+              <a:cs typeface="Times New Roman" panose="02020603050405020304" pitchFamily="18" charset="0"/>
+            </a:endParaRPr>
+          </a:p>
+        </p:txBody>
+      </p:sp>
+    </p:spTree>
+    <p:extLst>
+      <p:ext uri="{BB962C8B-B14F-4D97-AF65-F5344CB8AC3E}">
+        <p14:creationId xmlns:p14="http://schemas.microsoft.com/office/powerpoint/2010/main" val="1263887734"/>
+      </p:ext>
+    </p:extLst>
+  </p:cSld>
+  <p:clrMapOvr>
+    <a:masterClrMapping/>
+  </p:clrMapOvr>
+  <p:timing>
+    <p:tnLst>
+      <p:par>
+        <p:cTn id="1" dur="indefinite" restart="never" nodeType="tmRoot"/>
+      </p:par>
+    </p:tnLst>
+  </p:timing>
+</p:sld>
+</file>
+
+<file path=ppt/slides/slide14.xml><?xml version="1.0" encoding="utf-8"?>
+<p:sld xmlns:a="http://schemas.openxmlformats.org/drawingml/2006/main" xmlns:r="http://schemas.openxmlformats.org/officeDocument/2006/relationships" xmlns:p="http://schemas.openxmlformats.org/presentationml/2006/main">
+  <p:cSld>
+    <p:bg>
+      <p:bgPr>
+        <a:solidFill>
+          <a:srgbClr val="333333"/>
+        </a:solidFill>
+        <a:effectLst/>
+      </p:bgPr>
+    </p:bg>
+    <p:spTree>
+      <p:nvGrpSpPr>
+        <p:cNvPr id="1" name=""/>
+        <p:cNvGrpSpPr/>
+        <p:nvPr/>
+      </p:nvGrpSpPr>
+      <p:grpSpPr>
+        <a:xfrm>
+          <a:off x="0" y="0"/>
+          <a:ext cx="0" cy="0"/>
+          <a:chOff x="0" y="0"/>
+          <a:chExt cx="0" cy="0"/>
+        </a:xfrm>
+      </p:grpSpPr>
+      <p:sp>
+        <p:nvSpPr>
+          <p:cNvPr id="4" name="CaixaDeTexto 3"/>
+          <p:cNvSpPr txBox="1"/>
+          <p:nvPr/>
+        </p:nvSpPr>
+        <p:spPr>
+          <a:xfrm>
+            <a:off x="467544" y="188640"/>
+            <a:ext cx="8496944" cy="461665"/>
+          </a:xfrm>
+          <a:prstGeom prst="rect">
+            <a:avLst/>
+          </a:prstGeom>
+          <a:noFill/>
+        </p:spPr>
+        <p:txBody>
+          <a:bodyPr wrap="square" rtlCol="0">
+            <a:spAutoFit/>
+          </a:bodyPr>
+          <a:lstStyle/>
+          <a:p>
+            <a:r>
+              <a:rPr lang="pt-BR" sz="2400" b="1" dirty="0" err="1" smtClean="0">
+                <a:solidFill>
+                  <a:srgbClr val="FFFF66"/>
+                </a:solidFill>
+                <a:latin typeface="Times New Roman" panose="02020603050405020304" pitchFamily="18" charset="0"/>
+                <a:cs typeface="Times New Roman" panose="02020603050405020304" pitchFamily="18" charset="0"/>
+              </a:rPr>
+              <a:t>Question</a:t>
+            </a:r>
+            <a:r>
+              <a:rPr lang="pt-BR" sz="2400" b="1" dirty="0" smtClean="0">
+                <a:solidFill>
+                  <a:srgbClr val="FFFF66"/>
+                </a:solidFill>
+                <a:latin typeface="Times New Roman" panose="02020603050405020304" pitchFamily="18" charset="0"/>
+                <a:cs typeface="Times New Roman" panose="02020603050405020304" pitchFamily="18" charset="0"/>
+              </a:rPr>
+              <a:t> </a:t>
+            </a:r>
+            <a:r>
+              <a:rPr lang="pt-BR" sz="2400" b="1" dirty="0" smtClean="0">
+                <a:solidFill>
+                  <a:srgbClr val="FFFF66"/>
+                </a:solidFill>
+                <a:latin typeface="Times New Roman" panose="02020603050405020304" pitchFamily="18" charset="0"/>
+                <a:cs typeface="Times New Roman" panose="02020603050405020304" pitchFamily="18" charset="0"/>
+              </a:rPr>
+              <a:t>4</a:t>
+            </a:r>
+            <a:endParaRPr lang="pt-BR" sz="2400" b="1" dirty="0">
+              <a:solidFill>
+                <a:srgbClr val="FFFF66"/>
+              </a:solidFill>
+              <a:latin typeface="Times New Roman" panose="02020603050405020304" pitchFamily="18" charset="0"/>
+              <a:cs typeface="Times New Roman" panose="02020603050405020304" pitchFamily="18" charset="0"/>
+            </a:endParaRPr>
+          </a:p>
+        </p:txBody>
+      </p:sp>
+      <p:sp>
+        <p:nvSpPr>
+          <p:cNvPr id="5" name="CaixaDeTexto 4"/>
+          <p:cNvSpPr txBox="1"/>
+          <p:nvPr/>
+        </p:nvSpPr>
+        <p:spPr>
+          <a:xfrm>
+            <a:off x="467544" y="1443841"/>
+            <a:ext cx="8064896" cy="2862322"/>
+          </a:xfrm>
+          <a:prstGeom prst="rect">
+            <a:avLst/>
+          </a:prstGeom>
+          <a:noFill/>
+        </p:spPr>
+        <p:txBody>
+          <a:bodyPr wrap="square" rtlCol="0">
+            <a:spAutoFit/>
+          </a:bodyPr>
+          <a:lstStyle/>
+          <a:p>
+            <a:pPr>
+              <a:lnSpc>
+                <a:spcPct val="150000"/>
+              </a:lnSpc>
+            </a:pPr>
+            <a:r>
+              <a:rPr lang="en-US" sz="2400" dirty="0">
+                <a:solidFill>
+                  <a:schemeClr val="bg1">
+                    <a:lumMod val="95000"/>
+                  </a:schemeClr>
+                </a:solidFill>
+                <a:latin typeface="Times New Roman" panose="02020603050405020304" pitchFamily="18" charset="0"/>
+                <a:ea typeface="Source Sans Pro" panose="020B0503030403020204" pitchFamily="34" charset="0"/>
+                <a:cs typeface="Times New Roman" panose="02020603050405020304" pitchFamily="18" charset="0"/>
+              </a:rPr>
+              <a:t>How does the average score compare across different cuisine types? Are there cuisines that tend to have consistently lower/higher average scores compared to the others? NOTE: focus only on the top 5 most frequent “Cuisine Description” categories</a:t>
+            </a:r>
+            <a:r>
+              <a:rPr lang="en-US" sz="2400" dirty="0" smtClean="0">
+                <a:solidFill>
+                  <a:schemeClr val="bg1">
+                    <a:lumMod val="95000"/>
+                  </a:schemeClr>
+                </a:solidFill>
+                <a:latin typeface="Times New Roman" panose="02020603050405020304" pitchFamily="18" charset="0"/>
+                <a:ea typeface="Source Sans Pro" panose="020B0503030403020204" pitchFamily="34" charset="0"/>
+                <a:cs typeface="Times New Roman" panose="02020603050405020304" pitchFamily="18" charset="0"/>
+              </a:rPr>
+              <a:t>.</a:t>
+            </a:r>
+            <a:endParaRPr lang="pt-BR" sz="2400" dirty="0">
+              <a:solidFill>
+                <a:schemeClr val="bg1">
+                  <a:lumMod val="95000"/>
+                </a:schemeClr>
+              </a:solidFill>
+              <a:latin typeface="Times New Roman" panose="02020603050405020304" pitchFamily="18" charset="0"/>
+              <a:ea typeface="Source Sans Pro" panose="020B0503030403020204" pitchFamily="34" charset="0"/>
+              <a:cs typeface="Times New Roman" panose="02020603050405020304" pitchFamily="18" charset="0"/>
+            </a:endParaRPr>
+          </a:p>
+        </p:txBody>
+      </p:sp>
+    </p:spTree>
+    <p:extLst>
+      <p:ext uri="{BB962C8B-B14F-4D97-AF65-F5344CB8AC3E}">
+        <p14:creationId xmlns:p14="http://schemas.microsoft.com/office/powerpoint/2010/main" val="982584219"/>
+      </p:ext>
+    </p:extLst>
+  </p:cSld>
+  <p:clrMapOvr>
+    <a:masterClrMapping/>
+  </p:clrMapOvr>
+  <p:timing>
+    <p:tnLst>
+      <p:par>
+        <p:cTn id="1" dur="indefinite" restart="never" nodeType="tmRoot"/>
+      </p:par>
+    </p:tnLst>
+  </p:timing>
+</p:sld>
+</file>
+
+<file path=ppt/slides/slide15.xml><?xml version="1.0" encoding="utf-8"?>
+<p:sld xmlns:a="http://schemas.openxmlformats.org/drawingml/2006/main" xmlns:r="http://schemas.openxmlformats.org/officeDocument/2006/relationships" xmlns:p="http://schemas.openxmlformats.org/presentationml/2006/main">
+  <p:cSld>
+    <p:spTree>
+      <p:nvGrpSpPr>
+        <p:cNvPr id="1" name=""/>
+        <p:cNvGrpSpPr/>
+        <p:nvPr/>
+      </p:nvGrpSpPr>
+      <p:grpSpPr>
+        <a:xfrm>
+          <a:off x="0" y="0"/>
+          <a:ext cx="0" cy="0"/>
+          <a:chOff x="0" y="0"/>
+          <a:chExt cx="0" cy="0"/>
+        </a:xfrm>
+      </p:grpSpPr>
+      <p:pic>
+        <p:nvPicPr>
+          <p:cNvPr id="3" name="Imagem 2"/>
+          <p:cNvPicPr>
+            <a:picLocks noChangeAspect="1"/>
+          </p:cNvPicPr>
+          <p:nvPr/>
+        </p:nvPicPr>
+        <p:blipFill>
+          <a:blip r:embed="rId2" cstate="print">
+            <a:extLst>
+              <a:ext uri="{28A0092B-C50C-407E-A947-70E740481C1C}">
+                <a14:useLocalDpi xmlns:a14="http://schemas.microsoft.com/office/drawing/2010/main" val="0"/>
+              </a:ext>
+            </a:extLst>
+          </a:blip>
+          <a:stretch>
+            <a:fillRect/>
+          </a:stretch>
+        </p:blipFill>
+        <p:spPr>
+          <a:xfrm>
+            <a:off x="432000" y="582750"/>
+            <a:ext cx="8280000" cy="5692500"/>
+          </a:xfrm>
+          <a:prstGeom prst="rect">
+            <a:avLst/>
+          </a:prstGeom>
+        </p:spPr>
+      </p:pic>
+    </p:spTree>
+    <p:extLst>
+      <p:ext uri="{BB962C8B-B14F-4D97-AF65-F5344CB8AC3E}">
+        <p14:creationId xmlns:p14="http://schemas.microsoft.com/office/powerpoint/2010/main" val="2678692371"/>
+      </p:ext>
+    </p:extLst>
+  </p:cSld>
+  <p:clrMapOvr>
+    <a:masterClrMapping/>
+  </p:clrMapOvr>
+  <p:timing>
+    <p:tnLst>
+      <p:par>
+        <p:cTn id="1" dur="indefinite" restart="never" nodeType="tmRoot"/>
+      </p:par>
+    </p:tnLst>
+  </p:timing>
+</p:sld>
+</file>
+
+<file path=ppt/slides/slide16.xml><?xml version="1.0" encoding="utf-8"?>
+<p:sld xmlns:a="http://schemas.openxmlformats.org/drawingml/2006/main" xmlns:r="http://schemas.openxmlformats.org/officeDocument/2006/relationships" xmlns:p="http://schemas.openxmlformats.org/presentationml/2006/main">
+  <p:cSld>
+    <p:spTree>
+      <p:nvGrpSpPr>
+        <p:cNvPr id="1" name=""/>
+        <p:cNvGrpSpPr/>
+        <p:nvPr/>
+      </p:nvGrpSpPr>
+      <p:grpSpPr>
+        <a:xfrm>
+          <a:off x="0" y="0"/>
+          <a:ext cx="0" cy="0"/>
+          <a:chOff x="0" y="0"/>
+          <a:chExt cx="0" cy="0"/>
+        </a:xfrm>
+      </p:grpSpPr>
+      <p:sp>
+        <p:nvSpPr>
+          <p:cNvPr id="3" name="CaixaDeTexto 2"/>
+          <p:cNvSpPr txBox="1"/>
+          <p:nvPr/>
+        </p:nvSpPr>
+        <p:spPr>
+          <a:xfrm>
+            <a:off x="323529" y="260648"/>
+            <a:ext cx="8568952" cy="1477328"/>
+          </a:xfrm>
+          <a:prstGeom prst="rect">
+            <a:avLst/>
+          </a:prstGeom>
+          <a:noFill/>
+        </p:spPr>
+        <p:txBody>
+          <a:bodyPr wrap="square" rtlCol="0">
+            <a:spAutoFit/>
+          </a:bodyPr>
+          <a:lstStyle/>
+          <a:p>
+            <a:r>
+              <a:rPr lang="en-US" sz="3200" b="1" dirty="0" smtClean="0">
+                <a:latin typeface="Times New Roman" panose="02020603050405020304" pitchFamily="18" charset="0"/>
+                <a:cs typeface="Times New Roman" panose="02020603050405020304" pitchFamily="18" charset="0"/>
+              </a:rPr>
+              <a:t>Comments</a:t>
+            </a:r>
+          </a:p>
+          <a:p>
+            <a:endParaRPr lang="en-US" dirty="0" smtClean="0">
+              <a:latin typeface="Times New Roman" panose="02020603050405020304" pitchFamily="18" charset="0"/>
+              <a:cs typeface="Times New Roman" panose="02020603050405020304" pitchFamily="18" charset="0"/>
+            </a:endParaRPr>
+          </a:p>
+          <a:p>
+            <a:r>
+              <a:rPr lang="en-US" sz="2000" dirty="0" smtClean="0">
+                <a:latin typeface="Times New Roman" panose="02020603050405020304" pitchFamily="18" charset="0"/>
+                <a:cs typeface="Times New Roman" panose="02020603050405020304" pitchFamily="18" charset="0"/>
+              </a:rPr>
+              <a:t>Instead of simply plotting the average scores by cuisines, I chose to also show the full distribution of the scores, since averages are sensitive to extreme values.</a:t>
+            </a:r>
+            <a:endParaRPr lang="en-US" sz="2000" dirty="0" smtClean="0">
+              <a:latin typeface="Times New Roman" panose="02020603050405020304" pitchFamily="18" charset="0"/>
+              <a:cs typeface="Times New Roman" panose="02020603050405020304" pitchFamily="18" charset="0"/>
+            </a:endParaRPr>
+          </a:p>
+        </p:txBody>
+      </p:sp>
+    </p:spTree>
+    <p:extLst>
+      <p:ext uri="{BB962C8B-B14F-4D97-AF65-F5344CB8AC3E}">
+        <p14:creationId xmlns:p14="http://schemas.microsoft.com/office/powerpoint/2010/main" val="105173387"/>
+      </p:ext>
+    </p:extLst>
+  </p:cSld>
+  <p:clrMapOvr>
+    <a:masterClrMapping/>
+  </p:clrMapOvr>
+  <p:timing>
+    <p:tnLst>
+      <p:par>
+        <p:cTn id="1" dur="indefinite" restart="never" nodeType="tmRoot"/>
+      </p:par>
+    </p:tnLst>
+  </p:timing>
+</p:sld>
+</file>
+
+<file path=ppt/slides/slide17.xml><?xml version="1.0" encoding="utf-8"?>
+<p:sld xmlns:a="http://schemas.openxmlformats.org/drawingml/2006/main" xmlns:r="http://schemas.openxmlformats.org/officeDocument/2006/relationships" xmlns:p="http://schemas.openxmlformats.org/presentationml/2006/main">
+  <p:cSld>
+    <p:bg>
+      <p:bgPr>
+        <a:solidFill>
+          <a:srgbClr val="333333"/>
+        </a:solidFill>
+        <a:effectLst/>
+      </p:bgPr>
+    </p:bg>
+    <p:spTree>
+      <p:nvGrpSpPr>
+        <p:cNvPr id="1" name=""/>
+        <p:cNvGrpSpPr/>
+        <p:nvPr/>
+      </p:nvGrpSpPr>
+      <p:grpSpPr>
+        <a:xfrm>
+          <a:off x="0" y="0"/>
+          <a:ext cx="0" cy="0"/>
+          <a:chOff x="0" y="0"/>
+          <a:chExt cx="0" cy="0"/>
+        </a:xfrm>
+      </p:grpSpPr>
+      <p:sp>
+        <p:nvSpPr>
+          <p:cNvPr id="4" name="CaixaDeTexto 3"/>
+          <p:cNvSpPr txBox="1"/>
+          <p:nvPr/>
+        </p:nvSpPr>
+        <p:spPr>
+          <a:xfrm>
+            <a:off x="467544" y="188640"/>
+            <a:ext cx="8496944" cy="461665"/>
+          </a:xfrm>
+          <a:prstGeom prst="rect">
+            <a:avLst/>
+          </a:prstGeom>
+          <a:noFill/>
+        </p:spPr>
+        <p:txBody>
+          <a:bodyPr wrap="square" rtlCol="0">
+            <a:spAutoFit/>
+          </a:bodyPr>
+          <a:lstStyle/>
+          <a:p>
+            <a:r>
+              <a:rPr lang="pt-BR" sz="2400" b="1" dirty="0" err="1" smtClean="0">
+                <a:solidFill>
+                  <a:srgbClr val="FFFF66"/>
+                </a:solidFill>
+                <a:latin typeface="Times New Roman" panose="02020603050405020304" pitchFamily="18" charset="0"/>
+                <a:cs typeface="Times New Roman" panose="02020603050405020304" pitchFamily="18" charset="0"/>
+              </a:rPr>
+              <a:t>Question</a:t>
+            </a:r>
+            <a:r>
+              <a:rPr lang="pt-BR" sz="2400" b="1" dirty="0" smtClean="0">
+                <a:solidFill>
+                  <a:srgbClr val="FFFF66"/>
+                </a:solidFill>
+                <a:latin typeface="Times New Roman" panose="02020603050405020304" pitchFamily="18" charset="0"/>
+                <a:cs typeface="Times New Roman" panose="02020603050405020304" pitchFamily="18" charset="0"/>
+              </a:rPr>
+              <a:t> 5 </a:t>
+            </a:r>
+            <a:endParaRPr lang="pt-BR" sz="2400" b="1" dirty="0">
+              <a:solidFill>
+                <a:srgbClr val="FFFF66"/>
+              </a:solidFill>
+              <a:latin typeface="Times New Roman" panose="02020603050405020304" pitchFamily="18" charset="0"/>
+              <a:cs typeface="Times New Roman" panose="02020603050405020304" pitchFamily="18" charset="0"/>
+            </a:endParaRPr>
+          </a:p>
+        </p:txBody>
+      </p:sp>
+      <p:sp>
+        <p:nvSpPr>
+          <p:cNvPr id="5" name="CaixaDeTexto 4"/>
+          <p:cNvSpPr txBox="1"/>
+          <p:nvPr/>
+        </p:nvSpPr>
+        <p:spPr>
+          <a:xfrm>
+            <a:off x="467544" y="1443841"/>
+            <a:ext cx="8064896" cy="1687963"/>
+          </a:xfrm>
+          <a:prstGeom prst="rect">
+            <a:avLst/>
+          </a:prstGeom>
+          <a:noFill/>
+        </p:spPr>
+        <p:txBody>
+          <a:bodyPr wrap="square" rtlCol="0">
+            <a:spAutoFit/>
+          </a:bodyPr>
+          <a:lstStyle/>
+          <a:p>
+            <a:pPr>
+              <a:lnSpc>
+                <a:spcPct val="150000"/>
+              </a:lnSpc>
+            </a:pPr>
+            <a:r>
+              <a:rPr lang="en-US" sz="2400" dirty="0">
+                <a:solidFill>
+                  <a:schemeClr val="bg1">
+                    <a:lumMod val="95000"/>
+                  </a:schemeClr>
+                </a:solidFill>
+                <a:latin typeface="Times New Roman" panose="02020603050405020304" pitchFamily="18" charset="0"/>
+                <a:ea typeface="Source Sans Pro" panose="020B0503030403020204" pitchFamily="34" charset="0"/>
+                <a:cs typeface="Times New Roman" panose="02020603050405020304" pitchFamily="18" charset="0"/>
+              </a:rPr>
+              <a:t> Is there a relationship between cuisine type and violation? For instance, do some cuisine types tend to have more of some type of violations that other cuisine types?</a:t>
+            </a:r>
+            <a:endParaRPr lang="pt-BR" sz="2400" dirty="0">
+              <a:solidFill>
+                <a:schemeClr val="bg1">
+                  <a:lumMod val="95000"/>
+                </a:schemeClr>
+              </a:solidFill>
+              <a:latin typeface="Times New Roman" panose="02020603050405020304" pitchFamily="18" charset="0"/>
+              <a:ea typeface="Source Sans Pro" panose="020B0503030403020204" pitchFamily="34" charset="0"/>
+              <a:cs typeface="Times New Roman" panose="02020603050405020304" pitchFamily="18" charset="0"/>
+            </a:endParaRPr>
+          </a:p>
+        </p:txBody>
+      </p:sp>
+    </p:spTree>
+    <p:extLst>
+      <p:ext uri="{BB962C8B-B14F-4D97-AF65-F5344CB8AC3E}">
+        <p14:creationId xmlns:p14="http://schemas.microsoft.com/office/powerpoint/2010/main" val="3685405962"/>
+      </p:ext>
+    </p:extLst>
+  </p:cSld>
+  <p:clrMapOvr>
+    <a:masterClrMapping/>
+  </p:clrMapOvr>
+  <p:timing>
+    <p:tnLst>
+      <p:par>
+        <p:cTn id="1" dur="indefinite" restart="never" nodeType="tmRoot"/>
+      </p:par>
+    </p:tnLst>
+  </p:timing>
+</p:sld>
+</file>
+
+<file path=ppt/slides/slide18.xml><?xml version="1.0" encoding="utf-8"?>
+<p:sld xmlns:a="http://schemas.openxmlformats.org/drawingml/2006/main" xmlns:r="http://schemas.openxmlformats.org/officeDocument/2006/relationships" xmlns:p="http://schemas.openxmlformats.org/presentationml/2006/main">
+  <p:cSld>
+    <p:spTree>
+      <p:nvGrpSpPr>
+        <p:cNvPr id="1" name=""/>
+        <p:cNvGrpSpPr/>
+        <p:nvPr/>
+      </p:nvGrpSpPr>
+      <p:grpSpPr>
+        <a:xfrm>
+          <a:off x="0" y="0"/>
+          <a:ext cx="0" cy="0"/>
+          <a:chOff x="0" y="0"/>
+          <a:chExt cx="0" cy="0"/>
+        </a:xfrm>
+      </p:grpSpPr>
+      <p:pic>
+        <p:nvPicPr>
+          <p:cNvPr id="4" name="Imagem 3"/>
+          <p:cNvPicPr>
+            <a:picLocks noChangeAspect="1"/>
+          </p:cNvPicPr>
+          <p:nvPr/>
+        </p:nvPicPr>
+        <p:blipFill>
+          <a:blip r:embed="rId2" cstate="print">
+            <a:extLst>
+              <a:ext uri="{28A0092B-C50C-407E-A947-70E740481C1C}">
+                <a14:useLocalDpi xmlns:a14="http://schemas.microsoft.com/office/drawing/2010/main" val="0"/>
+              </a:ext>
+            </a:extLst>
+          </a:blip>
+          <a:stretch>
+            <a:fillRect/>
+          </a:stretch>
+        </p:blipFill>
+        <p:spPr>
+          <a:xfrm>
+            <a:off x="415409" y="0"/>
+            <a:ext cx="8313182" cy="6858000"/>
+          </a:xfrm>
+          <a:prstGeom prst="rect">
+            <a:avLst/>
+          </a:prstGeom>
+        </p:spPr>
+      </p:pic>
+    </p:spTree>
+    <p:extLst>
+      <p:ext uri="{BB962C8B-B14F-4D97-AF65-F5344CB8AC3E}">
+        <p14:creationId xmlns:p14="http://schemas.microsoft.com/office/powerpoint/2010/main" val="2245238749"/>
+      </p:ext>
+    </p:extLst>
+  </p:cSld>
+  <p:clrMapOvr>
+    <a:masterClrMapping/>
+  </p:clrMapOvr>
+  <p:timing>
+    <p:tnLst>
+      <p:par>
+        <p:cTn id="1" dur="indefinite" restart="never" nodeType="tmRoot"/>
+      </p:par>
+    </p:tnLst>
+  </p:timing>
+</p:sld>
+</file>
+
+<file path=ppt/slides/slide19.xml><?xml version="1.0" encoding="utf-8"?>
+<p:sld xmlns:a="http://schemas.openxmlformats.org/drawingml/2006/main" xmlns:r="http://schemas.openxmlformats.org/officeDocument/2006/relationships" xmlns:p="http://schemas.openxmlformats.org/presentationml/2006/main">
+  <p:cSld>
+    <p:spTree>
+      <p:nvGrpSpPr>
+        <p:cNvPr id="1" name=""/>
+        <p:cNvGrpSpPr/>
+        <p:nvPr/>
+      </p:nvGrpSpPr>
+      <p:grpSpPr>
+        <a:xfrm>
+          <a:off x="0" y="0"/>
+          <a:ext cx="0" cy="0"/>
+          <a:chOff x="0" y="0"/>
+          <a:chExt cx="0" cy="0"/>
+        </a:xfrm>
+      </p:grpSpPr>
+      <p:pic>
+        <p:nvPicPr>
+          <p:cNvPr id="4" name="Imagem 3"/>
+          <p:cNvPicPr>
+            <a:picLocks noChangeAspect="1"/>
+          </p:cNvPicPr>
+          <p:nvPr/>
+        </p:nvPicPr>
+        <p:blipFill>
+          <a:blip r:embed="rId2" cstate="print">
+            <a:extLst>
+              <a:ext uri="{28A0092B-C50C-407E-A947-70E740481C1C}">
+                <a14:useLocalDpi xmlns:a14="http://schemas.microsoft.com/office/drawing/2010/main" val="0"/>
+              </a:ext>
+            </a:extLst>
+          </a:blip>
+          <a:stretch>
+            <a:fillRect/>
+          </a:stretch>
+        </p:blipFill>
+        <p:spPr>
+          <a:xfrm>
+            <a:off x="415409" y="0"/>
+            <a:ext cx="8313182" cy="6858000"/>
+          </a:xfrm>
+          <a:prstGeom prst="rect">
+            <a:avLst/>
+          </a:prstGeom>
+        </p:spPr>
+      </p:pic>
+    </p:spTree>
+    <p:extLst>
+      <p:ext uri="{BB962C8B-B14F-4D97-AF65-F5344CB8AC3E}">
+        <p14:creationId xmlns:p14="http://schemas.microsoft.com/office/powerpoint/2010/main" val="2341336437"/>
       </p:ext>
     </p:extLst>
   </p:cSld>
@@ -3662,6 +4384,109 @@
     <p:extLst>
       <p:ext uri="{BB962C8B-B14F-4D97-AF65-F5344CB8AC3E}">
         <p14:creationId xmlns:p14="http://schemas.microsoft.com/office/powerpoint/2010/main" val="3384306192"/>
+      </p:ext>
+    </p:extLst>
+  </p:cSld>
+  <p:clrMapOvr>
+    <a:masterClrMapping/>
+  </p:clrMapOvr>
+  <p:timing>
+    <p:tnLst>
+      <p:par>
+        <p:cTn id="1" dur="indefinite" restart="never" nodeType="tmRoot"/>
+      </p:par>
+    </p:tnLst>
+  </p:timing>
+</p:sld>
+</file>
+
+<file path=ppt/slides/slide20.xml><?xml version="1.0" encoding="utf-8"?>
+<p:sld xmlns:a="http://schemas.openxmlformats.org/drawingml/2006/main" xmlns:r="http://schemas.openxmlformats.org/officeDocument/2006/relationships" xmlns:p="http://schemas.openxmlformats.org/presentationml/2006/main">
+  <p:cSld>
+    <p:spTree>
+      <p:nvGrpSpPr>
+        <p:cNvPr id="1" name=""/>
+        <p:cNvGrpSpPr/>
+        <p:nvPr/>
+      </p:nvGrpSpPr>
+      <p:grpSpPr>
+        <a:xfrm>
+          <a:off x="0" y="0"/>
+          <a:ext cx="0" cy="0"/>
+          <a:chOff x="0" y="0"/>
+          <a:chExt cx="0" cy="0"/>
+        </a:xfrm>
+      </p:grpSpPr>
+      <p:sp>
+        <p:nvSpPr>
+          <p:cNvPr id="3" name="CaixaDeTexto 2"/>
+          <p:cNvSpPr txBox="1"/>
+          <p:nvPr/>
+        </p:nvSpPr>
+        <p:spPr>
+          <a:xfrm>
+            <a:off x="323529" y="260648"/>
+            <a:ext cx="8568952" cy="3016210"/>
+          </a:xfrm>
+          <a:prstGeom prst="rect">
+            <a:avLst/>
+          </a:prstGeom>
+          <a:noFill/>
+        </p:spPr>
+        <p:txBody>
+          <a:bodyPr wrap="square" rtlCol="0">
+            <a:spAutoFit/>
+          </a:bodyPr>
+          <a:lstStyle/>
+          <a:p>
+            <a:r>
+              <a:rPr lang="en-US" sz="3200" b="1" dirty="0" smtClean="0">
+                <a:latin typeface="Times New Roman" panose="02020603050405020304" pitchFamily="18" charset="0"/>
+                <a:cs typeface="Times New Roman" panose="02020603050405020304" pitchFamily="18" charset="0"/>
+              </a:rPr>
+              <a:t>Comments</a:t>
+            </a:r>
+          </a:p>
+          <a:p>
+            <a:endParaRPr lang="en-US" dirty="0" smtClean="0">
+              <a:latin typeface="Times New Roman" panose="02020603050405020304" pitchFamily="18" charset="0"/>
+              <a:cs typeface="Times New Roman" panose="02020603050405020304" pitchFamily="18" charset="0"/>
+            </a:endParaRPr>
+          </a:p>
+          <a:p>
+            <a:r>
+              <a:rPr lang="en-US" sz="2000" dirty="0" smtClean="0">
+                <a:latin typeface="Times New Roman" panose="02020603050405020304" pitchFamily="18" charset="0"/>
+                <a:cs typeface="Times New Roman" panose="02020603050405020304" pitchFamily="18" charset="0"/>
+              </a:rPr>
+              <a:t>Here, I first plotted, for each infraction, the cuisine types that incurred in more infractions. But since “American” cuisine is the most prevalent cuisine in the dataset, the plot would be somewhat unbiased.</a:t>
+            </a:r>
+          </a:p>
+          <a:p>
+            <a:endParaRPr lang="en-US" sz="2000" dirty="0">
+              <a:latin typeface="Times New Roman" panose="02020603050405020304" pitchFamily="18" charset="0"/>
+              <a:cs typeface="Times New Roman" panose="02020603050405020304" pitchFamily="18" charset="0"/>
+            </a:endParaRPr>
+          </a:p>
+          <a:p>
+            <a:r>
+              <a:rPr lang="en-US" sz="2000" dirty="0" smtClean="0">
+                <a:latin typeface="Times New Roman" panose="02020603050405020304" pitchFamily="18" charset="0"/>
+                <a:cs typeface="Times New Roman" panose="02020603050405020304" pitchFamily="18" charset="0"/>
+              </a:rPr>
+              <a:t>To fix that, I decided to plot a chart showing the most frequent violation for each cuisine type. The difference is subtle, but the resulting plot is very different from the first one (and more interesting).</a:t>
+            </a:r>
+            <a:endParaRPr lang="en-US" sz="2000" dirty="0">
+              <a:latin typeface="Times New Roman" panose="02020603050405020304" pitchFamily="18" charset="0"/>
+              <a:cs typeface="Times New Roman" panose="02020603050405020304" pitchFamily="18" charset="0"/>
+            </a:endParaRPr>
+          </a:p>
+        </p:txBody>
+      </p:sp>
+    </p:spTree>
+    <p:extLst>
+      <p:ext uri="{BB962C8B-B14F-4D97-AF65-F5344CB8AC3E}">
+        <p14:creationId xmlns:p14="http://schemas.microsoft.com/office/powerpoint/2010/main" val="3153793477"/>
       </p:ext>
     </p:extLst>
   </p:cSld>
